--- a/presentation/Centralized configuration with Azure App Configuration.pptx
+++ b/presentation/Centralized configuration with Azure App Configuration.pptx
@@ -204,7 +204,7 @@
 <file path=ppt/revisionInfo.xml><?xml version="1.0" encoding="utf-8"?>
 <p1510:revInfo xmlns:a="http://schemas.openxmlformats.org/drawingml/2006/main" xmlns:r="http://schemas.openxmlformats.org/officeDocument/2006/relationships" xmlns:p1510="http://schemas.microsoft.com/office/powerpoint/2015/10/main">
   <p1510:revLst>
-    <p1510:client id="{3491D42B-4BA0-413A-9F2B-F998199FB481}" v="88" dt="2019-11-15T21:32:45.066"/>
+    <p1510:client id="{3491D42B-4BA0-413A-9F2B-F998199FB481}" v="95" dt="2019-11-29T18:30:01.704"/>
   </p1510:revLst>
 </p1510:revInfo>
 </file>
@@ -214,7 +214,7 @@
   <pc:docChgLst>
     <pc:chgData name="Callon Campbell" userId="c0fd8b2c1dc026c3" providerId="LiveId" clId="{3491D42B-4BA0-413A-9F2B-F998199FB481}"/>
     <pc:docChg chg="undo custSel addSld delSld modSld sldOrd addSection delSection modSection">
-      <pc:chgData name="Callon Campbell" userId="c0fd8b2c1dc026c3" providerId="LiveId" clId="{3491D42B-4BA0-413A-9F2B-F998199FB481}" dt="2019-11-15T21:33:11.148" v="1335" actId="14100"/>
+      <pc:chgData name="Callon Campbell" userId="c0fd8b2c1dc026c3" providerId="LiveId" clId="{3491D42B-4BA0-413A-9F2B-F998199FB481}" dt="2019-11-29T18:30:01.704" v="1427" actId="478"/>
       <pc:docMkLst>
         <pc:docMk/>
       </pc:docMkLst>
@@ -351,13 +351,13 @@
         </pc:picChg>
       </pc:sldChg>
       <pc:sldChg chg="modSp add mod chgLayout">
-        <pc:chgData name="Callon Campbell" userId="c0fd8b2c1dc026c3" providerId="LiveId" clId="{3491D42B-4BA0-413A-9F2B-F998199FB481}" dt="2019-11-15T21:33:02.175" v="1334" actId="27636"/>
+        <pc:chgData name="Callon Campbell" userId="c0fd8b2c1dc026c3" providerId="LiveId" clId="{3491D42B-4BA0-413A-9F2B-F998199FB481}" dt="2019-11-28T23:02:16.256" v="1363" actId="20577"/>
         <pc:sldMkLst>
           <pc:docMk/>
           <pc:sldMk cId="194437923" sldId="264"/>
         </pc:sldMkLst>
         <pc:spChg chg="mod ord">
-          <ac:chgData name="Callon Campbell" userId="c0fd8b2c1dc026c3" providerId="LiveId" clId="{3491D42B-4BA0-413A-9F2B-F998199FB481}" dt="2019-11-15T21:33:02.175" v="1334" actId="27636"/>
+          <ac:chgData name="Callon Campbell" userId="c0fd8b2c1dc026c3" providerId="LiveId" clId="{3491D42B-4BA0-413A-9F2B-F998199FB481}" dt="2019-11-28T23:02:16.256" v="1363" actId="20577"/>
           <ac:spMkLst>
             <pc:docMk/>
             <pc:sldMk cId="194437923" sldId="264"/>
@@ -374,7 +374,7 @@
         </pc:spChg>
       </pc:sldChg>
       <pc:sldChg chg="modSp add mod chgLayout modNotesTx">
-        <pc:chgData name="Callon Campbell" userId="c0fd8b2c1dc026c3" providerId="LiveId" clId="{3491D42B-4BA0-413A-9F2B-F998199FB481}" dt="2019-11-15T21:33:11.148" v="1335" actId="14100"/>
+        <pc:chgData name="Callon Campbell" userId="c0fd8b2c1dc026c3" providerId="LiveId" clId="{3491D42B-4BA0-413A-9F2B-F998199FB481}" dt="2019-11-28T23:02:36.821" v="1369" actId="20577"/>
         <pc:sldMkLst>
           <pc:docMk/>
           <pc:sldMk cId="3829864968" sldId="265"/>
@@ -590,7 +590,7 @@
         </pc:sldMkLst>
       </pc:sldChg>
       <pc:sldChg chg="modSp new mod">
-        <pc:chgData name="Callon Campbell" userId="c0fd8b2c1dc026c3" providerId="LiveId" clId="{3491D42B-4BA0-413A-9F2B-F998199FB481}" dt="2019-11-11T03:33:49.769" v="872" actId="20577"/>
+        <pc:chgData name="Callon Campbell" userId="c0fd8b2c1dc026c3" providerId="LiveId" clId="{3491D42B-4BA0-413A-9F2B-F998199FB481}" dt="2019-11-28T23:04:30.198" v="1370" actId="115"/>
         <pc:sldMkLst>
           <pc:docMk/>
           <pc:sldMk cId="927108400" sldId="360"/>
@@ -604,7 +604,7 @@
           </ac:spMkLst>
         </pc:spChg>
         <pc:spChg chg="mod">
-          <ac:chgData name="Callon Campbell" userId="c0fd8b2c1dc026c3" providerId="LiveId" clId="{3491D42B-4BA0-413A-9F2B-F998199FB481}" dt="2019-11-11T03:33:49.769" v="872" actId="20577"/>
+          <ac:chgData name="Callon Campbell" userId="c0fd8b2c1dc026c3" providerId="LiveId" clId="{3491D42B-4BA0-413A-9F2B-F998199FB481}" dt="2019-11-28T23:04:30.198" v="1370" actId="115"/>
           <ac:spMkLst>
             <pc:docMk/>
             <pc:sldMk cId="927108400" sldId="360"/>
@@ -657,7 +657,7 @@
         </pc:sldMkLst>
       </pc:sldChg>
       <pc:sldChg chg="modSp new mod">
-        <pc:chgData name="Callon Campbell" userId="c0fd8b2c1dc026c3" providerId="LiveId" clId="{3491D42B-4BA0-413A-9F2B-F998199FB481}" dt="2019-11-11T03:38:47.478" v="952" actId="20577"/>
+        <pc:chgData name="Callon Campbell" userId="c0fd8b2c1dc026c3" providerId="LiveId" clId="{3491D42B-4BA0-413A-9F2B-F998199FB481}" dt="2019-11-28T23:06:52.107" v="1375" actId="20577"/>
         <pc:sldMkLst>
           <pc:docMk/>
           <pc:sldMk cId="171560675" sldId="362"/>
@@ -671,7 +671,7 @@
           </ac:spMkLst>
         </pc:spChg>
         <pc:spChg chg="mod">
-          <ac:chgData name="Callon Campbell" userId="c0fd8b2c1dc026c3" providerId="LiveId" clId="{3491D42B-4BA0-413A-9F2B-F998199FB481}" dt="2019-11-11T03:38:47.478" v="952" actId="20577"/>
+          <ac:chgData name="Callon Campbell" userId="c0fd8b2c1dc026c3" providerId="LiveId" clId="{3491D42B-4BA0-413A-9F2B-F998199FB481}" dt="2019-11-28T23:06:52.107" v="1375" actId="20577"/>
           <ac:spMkLst>
             <pc:docMk/>
             <pc:sldMk cId="171560675" sldId="362"/>
@@ -755,7 +755,7 @@
         </pc:sldMkLst>
       </pc:sldChg>
       <pc:sldChg chg="addSp delSp modSp new mod modClrScheme chgLayout">
-        <pc:chgData name="Callon Campbell" userId="c0fd8b2c1dc026c3" providerId="LiveId" clId="{3491D42B-4BA0-413A-9F2B-F998199FB481}" dt="2019-11-14T16:51:26.967" v="1229" actId="255"/>
+        <pc:chgData name="Callon Campbell" userId="c0fd8b2c1dc026c3" providerId="LiveId" clId="{3491D42B-4BA0-413A-9F2B-F998199FB481}" dt="2019-11-29T18:30:01.704" v="1427" actId="478"/>
         <pc:sldMkLst>
           <pc:docMk/>
           <pc:sldMk cId="1851925278" sldId="367"/>
@@ -776,6 +776,14 @@
             <ac:spMk id="3" creationId="{17CD7F9F-BC41-4A69-A973-8097CABE471C}"/>
           </ac:spMkLst>
         </pc:spChg>
+        <pc:spChg chg="add del mod">
+          <ac:chgData name="Callon Campbell" userId="c0fd8b2c1dc026c3" providerId="LiveId" clId="{3491D42B-4BA0-413A-9F2B-F998199FB481}" dt="2019-11-29T18:30:01.704" v="1427" actId="478"/>
+          <ac:spMkLst>
+            <pc:docMk/>
+            <pc:sldMk cId="1851925278" sldId="367"/>
+            <ac:spMk id="4" creationId="{6678AAF6-C2EA-466B-84B1-DAB150BFCB66}"/>
+          </ac:spMkLst>
+        </pc:spChg>
         <pc:spChg chg="add del mod ord">
           <ac:chgData name="Callon Campbell" userId="c0fd8b2c1dc026c3" providerId="LiveId" clId="{3491D42B-4BA0-413A-9F2B-F998199FB481}" dt="2019-11-14T16:49:09.212" v="1183" actId="700"/>
           <ac:spMkLst>
@@ -793,7 +801,7 @@
           </ac:spMkLst>
         </pc:spChg>
         <pc:spChg chg="add mod ord">
-          <ac:chgData name="Callon Campbell" userId="c0fd8b2c1dc026c3" providerId="LiveId" clId="{3491D42B-4BA0-413A-9F2B-F998199FB481}" dt="2019-11-14T16:51:26.967" v="1229" actId="255"/>
+          <ac:chgData name="Callon Campbell" userId="c0fd8b2c1dc026c3" providerId="LiveId" clId="{3491D42B-4BA0-413A-9F2B-F998199FB481}" dt="2019-11-29T18:29:48.709" v="1424" actId="20577"/>
           <ac:spMkLst>
             <pc:docMk/>
             <pc:sldMk cId="1851925278" sldId="367"/>
@@ -902,7 +910,7 @@
         </pc:sldMkLst>
       </pc:sldChg>
       <pc:sldChg chg="modSp add mod modNotesTx">
-        <pc:chgData name="Callon Campbell" userId="c0fd8b2c1dc026c3" providerId="LiveId" clId="{3491D42B-4BA0-413A-9F2B-F998199FB481}" dt="2019-11-11T03:53:52.082" v="1078" actId="27636"/>
+        <pc:chgData name="Callon Campbell" userId="c0fd8b2c1dc026c3" providerId="LiveId" clId="{3491D42B-4BA0-413A-9F2B-F998199FB481}" dt="2019-11-28T23:07:48.692" v="1389" actId="20577"/>
         <pc:sldMkLst>
           <pc:docMk/>
           <pc:sldMk cId="3577768888" sldId="371"/>
@@ -1172,7 +1180,7 @@
           <a:p>
             <a:fld id="{CCB56696-2F6B-4E30-B43C-8E1933953DBB}" type="datetimeFigureOut">
               <a:rPr lang="en-US" smtClean="0"/>
-              <a:t>11/10/2019</a:t>
+              <a:t>11/28/2019</a:t>
             </a:fld>
             <a:endParaRPr lang="en-US"/>
           </a:p>
@@ -1567,6 +1575,111 @@
           <a:bodyPr/>
           <a:lstStyle/>
           <a:p>
+            <a:r>
+              <a:rPr lang="en-US" dirty="0"/>
+              <a:t>ASP.NET Core and .NET Core – App Configuration provider for .NET Core</a:t>
+            </a:r>
+          </a:p>
+          <a:p>
+            <a:r>
+              <a:rPr lang="en-US" dirty="0"/>
+              <a:t>ASP.NET and .NET – App Configuration builder for .NET</a:t>
+            </a:r>
+          </a:p>
+          <a:p>
+            <a:r>
+              <a:rPr lang="en-US" dirty="0"/>
+              <a:t>Java Spring – App Configuration client for Spring Cloud</a:t>
+            </a:r>
+          </a:p>
+          <a:p>
+            <a:r>
+              <a:rPr lang="en-US" dirty="0"/>
+              <a:t>Others – App Configuration REST API</a:t>
+            </a:r>
+          </a:p>
+        </p:txBody>
+      </p:sp>
+      <p:sp>
+        <p:nvSpPr>
+          <p:cNvPr id="4" name="Slide Number Placeholder 3"/>
+          <p:cNvSpPr>
+            <a:spLocks noGrp="1"/>
+          </p:cNvSpPr>
+          <p:nvPr>
+            <p:ph type="sldNum" sz="quarter" idx="5"/>
+          </p:nvPr>
+        </p:nvSpPr>
+        <p:spPr/>
+        <p:txBody>
+          <a:bodyPr/>
+          <a:lstStyle/>
+          <a:p>
+            <a:fld id="{E0AE778D-2A57-4226-B72B-26EA3CA60131}" type="slidenum">
+              <a:rPr lang="en-US" smtClean="0"/>
+              <a:t>23</a:t>
+            </a:fld>
+            <a:endParaRPr lang="en-US"/>
+          </a:p>
+        </p:txBody>
+      </p:sp>
+    </p:spTree>
+    <p:extLst>
+      <p:ext uri="{BB962C8B-B14F-4D97-AF65-F5344CB8AC3E}">
+        <p14:creationId xmlns:p14="http://schemas.microsoft.com/office/powerpoint/2010/main" val="3416583096"/>
+      </p:ext>
+    </p:extLst>
+  </p:cSld>
+  <p:clrMapOvr>
+    <a:masterClrMapping/>
+  </p:clrMapOvr>
+</p:notes>
+</file>
+
+<file path=ppt/notesSlides/notesSlide11.xml><?xml version="1.0" encoding="utf-8"?>
+<p:notes xmlns:a="http://schemas.openxmlformats.org/drawingml/2006/main" xmlns:r="http://schemas.openxmlformats.org/officeDocument/2006/relationships" xmlns:p="http://schemas.openxmlformats.org/presentationml/2006/main">
+  <p:cSld>
+    <p:spTree>
+      <p:nvGrpSpPr>
+        <p:cNvPr id="1" name=""/>
+        <p:cNvGrpSpPr/>
+        <p:nvPr/>
+      </p:nvGrpSpPr>
+      <p:grpSpPr>
+        <a:xfrm>
+          <a:off x="0" y="0"/>
+          <a:ext cx="0" cy="0"/>
+          <a:chOff x="0" y="0"/>
+          <a:chExt cx="0" cy="0"/>
+        </a:xfrm>
+      </p:grpSpPr>
+      <p:sp>
+        <p:nvSpPr>
+          <p:cNvPr id="2" name="Slide Image Placeholder 1"/>
+          <p:cNvSpPr>
+            <a:spLocks noGrp="1" noRot="1" noChangeAspect="1"/>
+          </p:cNvSpPr>
+          <p:nvPr>
+            <p:ph type="sldImg"/>
+          </p:nvPr>
+        </p:nvSpPr>
+        <p:spPr/>
+      </p:sp>
+      <p:sp>
+        <p:nvSpPr>
+          <p:cNvPr id="3" name="Notes Placeholder 2"/>
+          <p:cNvSpPr>
+            <a:spLocks noGrp="1"/>
+          </p:cNvSpPr>
+          <p:nvPr>
+            <p:ph type="body" idx="1"/>
+          </p:nvPr>
+        </p:nvSpPr>
+        <p:spPr/>
+        <p:txBody>
+          <a:bodyPr/>
+          <a:lstStyle/>
+          <a:p>
             <a:endParaRPr lang="en-US" dirty="0"/>
           </a:p>
         </p:txBody>
@@ -1745,7 +1858,7 @@
                 <a:ea typeface="+mn-ea"/>
                 <a:cs typeface="+mn-cs"/>
               </a:rPr>
-              <a:t>App Configuration helps you manage application settings and control their access centrally. </a:t>
+              <a:t>Azure App Configuration helps you manage application settings and control their access centrally. </a:t>
             </a:r>
           </a:p>
           <a:p>
@@ -1955,21 +2068,6 @@
           <a:bodyPr/>
           <a:lstStyle/>
           <a:p>
-            <a:r>
-              <a:rPr lang="en-US" dirty="0">
-                <a:hlinkClick r:id="rId3"/>
-              </a:rPr>
-              <a:t>https://docs.microsoft.com/en-us/azure/key-vault/basic-concepts</a:t>
-            </a:r>
-            <a:endParaRPr lang="en-US" dirty="0"/>
-          </a:p>
-          <a:p>
-            <a:r>
-              <a:rPr lang="en-US" dirty="0">
-                <a:hlinkClick r:id="rId4"/>
-              </a:rPr>
-              <a:t>https://azure.microsoft.com/en-us/services/key-vault/</a:t>
-            </a:r>
             <a:endParaRPr lang="en-US" dirty="0"/>
           </a:p>
         </p:txBody>
@@ -1991,7 +2089,7 @@
           <a:p>
             <a:fld id="{3A533CB5-E34A-4A6A-A777-087957A42D72}" type="slidenum">
               <a:rPr lang="en-US" smtClean="0"/>
-              <a:t>7</a:t>
+              <a:t>6</a:t>
             </a:fld>
             <a:endParaRPr lang="en-US"/>
           </a:p>
@@ -2000,7 +2098,7 @@
     </p:spTree>
     <p:extLst>
       <p:ext uri="{BB962C8B-B14F-4D97-AF65-F5344CB8AC3E}">
-        <p14:creationId xmlns:p14="http://schemas.microsoft.com/office/powerpoint/2010/main" val="3117950127"/>
+        <p14:creationId xmlns:p14="http://schemas.microsoft.com/office/powerpoint/2010/main" val="1063737776"/>
       </p:ext>
     </p:extLst>
   </p:cSld>
@@ -2055,41 +2153,19 @@
           <a:lstStyle/>
           <a:p>
             <a:r>
-              <a:rPr lang="en-US" sz="1200" b="0" i="0" kern="1200" dirty="0">
-                <a:solidFill>
-                  <a:schemeClr val="tx1"/>
-                </a:solidFill>
-                <a:effectLst/>
-                <a:latin typeface="+mn-lt"/>
-                <a:ea typeface="+mn-ea"/>
-                <a:cs typeface="+mn-cs"/>
+              <a:rPr lang="en-US" dirty="0">
+                <a:hlinkClick r:id="rId3"/>
               </a:rPr>
-              <a:t>App Configuration is complementary to Key Vault. </a:t>
-            </a:r>
-          </a:p>
-          <a:p>
-            <a:endParaRPr lang="en-US" sz="1200" b="0" i="0" kern="1200" dirty="0">
-              <a:solidFill>
-                <a:schemeClr val="tx1"/>
-              </a:solidFill>
-              <a:effectLst/>
-              <a:latin typeface="+mn-lt"/>
-              <a:ea typeface="+mn-ea"/>
-              <a:cs typeface="+mn-cs"/>
-            </a:endParaRPr>
-          </a:p>
-          <a:p>
-            <a:r>
-              <a:rPr lang="en-US" sz="1200" b="0" i="0" kern="1200" dirty="0">
-                <a:solidFill>
-                  <a:schemeClr val="tx1"/>
-                </a:solidFill>
-                <a:effectLst/>
-                <a:latin typeface="+mn-lt"/>
-                <a:ea typeface="+mn-ea"/>
-                <a:cs typeface="+mn-cs"/>
+              <a:t>https://docs.microsoft.com/en-us/azure/key-vault/basic-concepts</a:t>
+            </a:r>
+            <a:endParaRPr lang="en-US" dirty="0"/>
+          </a:p>
+          <a:p>
+            <a:r>
+              <a:rPr lang="en-US" dirty="0">
+                <a:hlinkClick r:id="rId4"/>
               </a:rPr>
-              <a:t>They’re typically used side by side to store and distribute application configuration data. While Key Vault is designed for secret management and operations, App Configuration is optimized for hierarchical and/or dynamic application settings.</a:t>
+              <a:t>https://azure.microsoft.com/en-us/services/key-vault/</a:t>
             </a:r>
             <a:endParaRPr lang="en-US" dirty="0"/>
           </a:p>
@@ -2112,7 +2188,7 @@
           <a:p>
             <a:fld id="{3A533CB5-E34A-4A6A-A777-087957A42D72}" type="slidenum">
               <a:rPr lang="en-US" smtClean="0"/>
-              <a:t>8</a:t>
+              <a:t>7</a:t>
             </a:fld>
             <a:endParaRPr lang="en-US"/>
           </a:p>
@@ -2121,7 +2197,7 @@
     </p:spTree>
     <p:extLst>
       <p:ext uri="{BB962C8B-B14F-4D97-AF65-F5344CB8AC3E}">
-        <p14:creationId xmlns:p14="http://schemas.microsoft.com/office/powerpoint/2010/main" val="2896597894"/>
+        <p14:creationId xmlns:p14="http://schemas.microsoft.com/office/powerpoint/2010/main" val="3117950127"/>
       </p:ext>
     </p:extLst>
   </p:cSld>
@@ -2175,7 +2251,155 @@
           <a:bodyPr/>
           <a:lstStyle/>
           <a:p>
-            <a:endParaRPr lang="en-US"/>
+            <a:r>
+              <a:rPr lang="en-US" sz="1200" b="0" i="0" kern="1200" dirty="0">
+                <a:solidFill>
+                  <a:schemeClr val="tx1"/>
+                </a:solidFill>
+                <a:effectLst/>
+                <a:latin typeface="+mn-lt"/>
+                <a:ea typeface="+mn-ea"/>
+                <a:cs typeface="+mn-cs"/>
+              </a:rPr>
+              <a:t>App Configuration is complementary to Key Vault, and the two should be used side by side in most application deployments.</a:t>
+            </a:r>
+          </a:p>
+          <a:p>
+            <a:endParaRPr lang="en-US" sz="1200" b="0" i="0" kern="1200" dirty="0">
+              <a:solidFill>
+                <a:schemeClr val="tx1"/>
+              </a:solidFill>
+              <a:effectLst/>
+              <a:latin typeface="+mn-lt"/>
+              <a:ea typeface="+mn-ea"/>
+              <a:cs typeface="+mn-cs"/>
+            </a:endParaRPr>
+          </a:p>
+          <a:p>
+            <a:r>
+              <a:rPr lang="en-US" sz="1200" b="0" i="0" kern="1200" dirty="0">
+                <a:solidFill>
+                  <a:schemeClr val="tx1"/>
+                </a:solidFill>
+                <a:effectLst/>
+                <a:latin typeface="+mn-lt"/>
+                <a:ea typeface="+mn-ea"/>
+                <a:cs typeface="+mn-cs"/>
+              </a:rPr>
+              <a:t>They’re typically used side by side to store and distribute application configuration data. While Key Vault is designed for secret management and operations, App Configuration is optimized for hierarchical and/or dynamic application settings.</a:t>
+            </a:r>
+          </a:p>
+          <a:p>
+            <a:endParaRPr lang="en-US" sz="1200" b="0" i="0" kern="1200" dirty="0">
+              <a:solidFill>
+                <a:schemeClr val="tx1"/>
+              </a:solidFill>
+              <a:effectLst/>
+              <a:latin typeface="+mn-lt"/>
+              <a:ea typeface="+mn-ea"/>
+              <a:cs typeface="+mn-cs"/>
+            </a:endParaRPr>
+          </a:p>
+          <a:p>
+            <a:r>
+              <a:rPr lang="en-US" sz="1200" b="0" i="0" kern="1200" dirty="0">
+                <a:solidFill>
+                  <a:schemeClr val="tx1"/>
+                </a:solidFill>
+                <a:effectLst/>
+                <a:latin typeface="+mn-lt"/>
+                <a:ea typeface="+mn-ea"/>
+                <a:cs typeface="+mn-cs"/>
+              </a:rPr>
+              <a:t>App Configuration supports:</a:t>
+            </a:r>
+          </a:p>
+          <a:p>
+            <a:r>
+              <a:rPr lang="en-US" sz="1200" b="0" i="0" kern="1200" dirty="0">
+                <a:solidFill>
+                  <a:schemeClr val="tx1"/>
+                </a:solidFill>
+                <a:effectLst/>
+                <a:latin typeface="+mn-lt"/>
+                <a:ea typeface="+mn-ea"/>
+                <a:cs typeface="+mn-cs"/>
+              </a:rPr>
+              <a:t>- Hierarchical namespaces</a:t>
+            </a:r>
+          </a:p>
+          <a:p>
+            <a:r>
+              <a:rPr lang="en-US" sz="1200" b="0" i="0" kern="1200" dirty="0">
+                <a:solidFill>
+                  <a:schemeClr val="tx1"/>
+                </a:solidFill>
+                <a:effectLst/>
+                <a:latin typeface="+mn-lt"/>
+                <a:ea typeface="+mn-ea"/>
+                <a:cs typeface="+mn-cs"/>
+              </a:rPr>
+              <a:t>- Labeling</a:t>
+            </a:r>
+          </a:p>
+          <a:p>
+            <a:r>
+              <a:rPr lang="en-US" sz="1200" b="0" i="0" kern="1200" dirty="0">
+                <a:solidFill>
+                  <a:schemeClr val="tx1"/>
+                </a:solidFill>
+                <a:effectLst/>
+                <a:latin typeface="+mn-lt"/>
+                <a:ea typeface="+mn-ea"/>
+                <a:cs typeface="+mn-cs"/>
+              </a:rPr>
+              <a:t>- Extensive queries</a:t>
+            </a:r>
+          </a:p>
+          <a:p>
+            <a:r>
+              <a:rPr lang="en-US" sz="1200" b="0" i="0" kern="1200" dirty="0">
+                <a:solidFill>
+                  <a:schemeClr val="tx1"/>
+                </a:solidFill>
+                <a:effectLst/>
+                <a:latin typeface="+mn-lt"/>
+                <a:ea typeface="+mn-ea"/>
+                <a:cs typeface="+mn-cs"/>
+              </a:rPr>
+              <a:t>- Batch retrieval</a:t>
+            </a:r>
+          </a:p>
+          <a:p>
+            <a:r>
+              <a:rPr lang="en-US" sz="1200" b="0" i="0" kern="1200" dirty="0">
+                <a:solidFill>
+                  <a:schemeClr val="tx1"/>
+                </a:solidFill>
+                <a:effectLst/>
+                <a:latin typeface="+mn-lt"/>
+                <a:ea typeface="+mn-ea"/>
+                <a:cs typeface="+mn-cs"/>
+              </a:rPr>
+              <a:t>- Specialized management operations</a:t>
+            </a:r>
+          </a:p>
+          <a:p>
+            <a:r>
+              <a:rPr lang="en-US" sz="1200" b="0" i="0" kern="1200" dirty="0">
+                <a:solidFill>
+                  <a:schemeClr val="tx1"/>
+                </a:solidFill>
+                <a:effectLst/>
+                <a:latin typeface="+mn-lt"/>
+                <a:ea typeface="+mn-ea"/>
+                <a:cs typeface="+mn-cs"/>
+              </a:rPr>
+              <a:t>- A feature-management user interface</a:t>
+            </a:r>
+          </a:p>
+          <a:p>
+            <a:endParaRPr lang="en-US" dirty="0"/>
           </a:p>
         </p:txBody>
       </p:sp>
@@ -2186,7 +2410,7 @@
             <a:spLocks noGrp="1"/>
           </p:cNvSpPr>
           <p:nvPr>
-            <p:ph type="sldNum" sz="quarter" idx="10"/>
+            <p:ph type="sldNum" sz="quarter" idx="5"/>
           </p:nvPr>
         </p:nvSpPr>
         <p:spPr/>
@@ -2194,9 +2418,9 @@
           <a:bodyPr/>
           <a:lstStyle/>
           <a:p>
-            <a:fld id="{E0AE778D-2A57-4226-B72B-26EA3CA60131}" type="slidenum">
+            <a:fld id="{3A533CB5-E34A-4A6A-A777-087957A42D72}" type="slidenum">
               <a:rPr lang="en-US" smtClean="0"/>
-              <a:t>11</a:t>
+              <a:t>8</a:t>
             </a:fld>
             <a:endParaRPr lang="en-US"/>
           </a:p>
@@ -2205,7 +2429,7 @@
     </p:spTree>
     <p:extLst>
       <p:ext uri="{BB962C8B-B14F-4D97-AF65-F5344CB8AC3E}">
-        <p14:creationId xmlns:p14="http://schemas.microsoft.com/office/powerpoint/2010/main" val="2779868397"/>
+        <p14:creationId xmlns:p14="http://schemas.microsoft.com/office/powerpoint/2010/main" val="2896597894"/>
       </p:ext>
     </p:extLst>
   </p:cSld>
@@ -2259,7 +2483,7 @@
           <a:bodyPr/>
           <a:lstStyle/>
           <a:p>
-            <a:endParaRPr lang="en-US" dirty="0"/>
+            <a:endParaRPr lang="en-US"/>
           </a:p>
         </p:txBody>
       </p:sp>
@@ -2280,7 +2504,7 @@
           <a:p>
             <a:fld id="{E0AE778D-2A57-4226-B72B-26EA3CA60131}" type="slidenum">
               <a:rPr lang="en-US" smtClean="0"/>
-              <a:t>12</a:t>
+              <a:t>11</a:t>
             </a:fld>
             <a:endParaRPr lang="en-US"/>
           </a:p>
@@ -2289,7 +2513,7 @@
     </p:spTree>
     <p:extLst>
       <p:ext uri="{BB962C8B-B14F-4D97-AF65-F5344CB8AC3E}">
-        <p14:creationId xmlns:p14="http://schemas.microsoft.com/office/powerpoint/2010/main" val="713400566"/>
+        <p14:creationId xmlns:p14="http://schemas.microsoft.com/office/powerpoint/2010/main" val="2779868397"/>
       </p:ext>
     </p:extLst>
   </p:cSld>
@@ -2343,28 +2567,7 @@
           <a:bodyPr/>
           <a:lstStyle/>
           <a:p>
-            <a:r>
-              <a:rPr lang="en-US" dirty="0"/>
-              <a:t>ASP.NET Core and .NET Core – App Configuration provider for .NET Core</a:t>
-            </a:r>
-          </a:p>
-          <a:p>
-            <a:r>
-              <a:rPr lang="en-US" dirty="0"/>
-              <a:t>ASP.NET and .NET – App Configuration builder for .NET</a:t>
-            </a:r>
-          </a:p>
-          <a:p>
-            <a:r>
-              <a:rPr lang="en-US" dirty="0"/>
-              <a:t>Java Spring – App Configuration client for Spring Cloud</a:t>
-            </a:r>
-          </a:p>
-          <a:p>
-            <a:r>
-              <a:rPr lang="en-US" dirty="0"/>
-              <a:t>Others – App Configuration REST API</a:t>
-            </a:r>
+            <a:endParaRPr lang="en-US" dirty="0"/>
           </a:p>
         </p:txBody>
       </p:sp>
@@ -2375,7 +2578,7 @@
             <a:spLocks noGrp="1"/>
           </p:cNvSpPr>
           <p:nvPr>
-            <p:ph type="sldNum" sz="quarter" idx="5"/>
+            <p:ph type="sldNum" sz="quarter" idx="10"/>
           </p:nvPr>
         </p:nvSpPr>
         <p:spPr/>
@@ -2385,7 +2588,7 @@
           <a:p>
             <a:fld id="{E0AE778D-2A57-4226-B72B-26EA3CA60131}" type="slidenum">
               <a:rPr lang="en-US" smtClean="0"/>
-              <a:t>23</a:t>
+              <a:t>12</a:t>
             </a:fld>
             <a:endParaRPr lang="en-US"/>
           </a:p>
@@ -2394,7 +2597,7 @@
     </p:spTree>
     <p:extLst>
       <p:ext uri="{BB962C8B-B14F-4D97-AF65-F5344CB8AC3E}">
-        <p14:creationId xmlns:p14="http://schemas.microsoft.com/office/powerpoint/2010/main" val="3416583096"/>
+        <p14:creationId xmlns:p14="http://schemas.microsoft.com/office/powerpoint/2010/main" val="713400566"/>
       </p:ext>
     </p:extLst>
   </p:cSld>
@@ -5831,7 +6034,7 @@
           <a:p>
             <a:fld id="{C161BE4E-1F91-49DA-A204-28A383D68637}" type="datetimeFigureOut">
               <a:rPr lang="en-US" smtClean="0"/>
-              <a:t>11/10/2019</a:t>
+              <a:t>11/28/2019</a:t>
             </a:fld>
             <a:endParaRPr lang="en-US" dirty="0"/>
           </a:p>
@@ -5999,7 +6202,7 @@
           <a:p>
             <a:fld id="{C161BE4E-1F91-49DA-A204-28A383D68637}" type="datetimeFigureOut">
               <a:rPr lang="en-US" smtClean="0"/>
-              <a:t>11/10/2019</a:t>
+              <a:t>11/28/2019</a:t>
             </a:fld>
             <a:endParaRPr lang="en-US" dirty="0"/>
           </a:p>
@@ -6244,7 +6447,7 @@
           <a:p>
             <a:fld id="{C161BE4E-1F91-49DA-A204-28A383D68637}" type="datetimeFigureOut">
               <a:rPr lang="en-US" smtClean="0"/>
-              <a:t>11/10/2019</a:t>
+              <a:t>11/28/2019</a:t>
             </a:fld>
             <a:endParaRPr lang="en-US" dirty="0"/>
           </a:p>
@@ -6473,7 +6676,7 @@
           <a:p>
             <a:fld id="{C161BE4E-1F91-49DA-A204-28A383D68637}" type="datetimeFigureOut">
               <a:rPr lang="en-US" smtClean="0"/>
-              <a:t>11/10/2019</a:t>
+              <a:t>11/28/2019</a:t>
             </a:fld>
             <a:endParaRPr lang="en-US" dirty="0"/>
           </a:p>
@@ -6837,7 +7040,7 @@
           <a:p>
             <a:fld id="{C161BE4E-1F91-49DA-A204-28A383D68637}" type="datetimeFigureOut">
               <a:rPr lang="en-US" smtClean="0"/>
-              <a:t>11/10/2019</a:t>
+              <a:t>11/28/2019</a:t>
             </a:fld>
             <a:endParaRPr lang="en-US" dirty="0"/>
           </a:p>
@@ -6954,7 +7157,7 @@
           <a:p>
             <a:fld id="{C161BE4E-1F91-49DA-A204-28A383D68637}" type="datetimeFigureOut">
               <a:rPr lang="en-US" smtClean="0"/>
-              <a:t>11/10/2019</a:t>
+              <a:t>11/28/2019</a:t>
             </a:fld>
             <a:endParaRPr lang="en-US" dirty="0"/>
           </a:p>
@@ -7049,7 +7252,7 @@
           <a:p>
             <a:fld id="{C161BE4E-1F91-49DA-A204-28A383D68637}" type="datetimeFigureOut">
               <a:rPr lang="en-US" smtClean="0"/>
-              <a:t>11/10/2019</a:t>
+              <a:t>11/28/2019</a:t>
             </a:fld>
             <a:endParaRPr lang="en-US" dirty="0"/>
           </a:p>
@@ -7324,7 +7527,7 @@
           <a:p>
             <a:fld id="{C161BE4E-1F91-49DA-A204-28A383D68637}" type="datetimeFigureOut">
               <a:rPr lang="en-US" smtClean="0"/>
-              <a:t>11/10/2019</a:t>
+              <a:t>11/28/2019</a:t>
             </a:fld>
             <a:endParaRPr lang="en-US" dirty="0"/>
           </a:p>
@@ -7683,7 +7886,7 @@
           <a:p>
             <a:fld id="{C161BE4E-1F91-49DA-A204-28A383D68637}" type="datetimeFigureOut">
               <a:rPr lang="en-US" smtClean="0"/>
-              <a:t>11/10/2019</a:t>
+              <a:t>11/28/2019</a:t>
             </a:fld>
             <a:endParaRPr lang="en-US" dirty="0"/>
           </a:p>
@@ -7851,7 +8054,7 @@
           <a:p>
             <a:fld id="{C161BE4E-1F91-49DA-A204-28A383D68637}" type="datetimeFigureOut">
               <a:rPr lang="en-US" smtClean="0"/>
-              <a:t>11/10/2019</a:t>
+              <a:t>11/28/2019</a:t>
             </a:fld>
             <a:endParaRPr lang="en-US" dirty="0"/>
           </a:p>
@@ -8029,7 +8232,7 @@
           <a:p>
             <a:fld id="{C161BE4E-1F91-49DA-A204-28A383D68637}" type="datetimeFigureOut">
               <a:rPr lang="en-US" smtClean="0"/>
-              <a:t>11/10/2019</a:t>
+              <a:t>11/28/2019</a:t>
             </a:fld>
             <a:endParaRPr lang="en-US" dirty="0"/>
           </a:p>
@@ -20615,7 +20818,7 @@
           <a:p>
             <a:fld id="{C161BE4E-1F91-49DA-A204-28A383D68637}" type="datetimeFigureOut">
               <a:rPr lang="en-US" smtClean="0"/>
-              <a:t>11/10/2019</a:t>
+              <a:t>11/28/2019</a:t>
             </a:fld>
             <a:endParaRPr lang="en-US" dirty="0"/>
           </a:p>
@@ -26928,7 +27131,7 @@
             </a:pPr>
             <a:r>
               <a:rPr lang="en-US" sz="2800" b="1" dirty="0"/>
-              <a:t>.NET Core</a:t>
+              <a:t>.NET Core / .NET Framework</a:t>
             </a:r>
           </a:p>
           <a:p>
@@ -28333,7 +28536,7 @@
         <p:spPr/>
         <p:txBody>
           <a:bodyPr>
-            <a:normAutofit/>
+            <a:normAutofit lnSpcReduction="10000"/>
           </a:bodyPr>
           <a:lstStyle/>
           <a:p>
@@ -28351,13 +28554,28 @@
           <a:p>
             <a:r>
               <a:rPr lang="en-US" dirty="0"/>
-              <a:t>Demo 1: Portal and Azure CLI</a:t>
-            </a:r>
-          </a:p>
-          <a:p>
+              <a:t>Demos</a:t>
+            </a:r>
+          </a:p>
+          <a:p>
+            <a:pPr lvl="1"/>
             <a:r>
               <a:rPr lang="en-US" dirty="0"/>
-              <a:t>Demo 2: Implementing and using with ASP.NET Core</a:t>
+              <a:t>Portal and Azure CLI</a:t>
+            </a:r>
+          </a:p>
+          <a:p>
+            <a:pPr lvl="1"/>
+            <a:r>
+              <a:rPr lang="en-US" dirty="0"/>
+              <a:t>Implementing and using with ASP.NET Core</a:t>
+            </a:r>
+          </a:p>
+          <a:p>
+            <a:pPr lvl="1"/>
+            <a:r>
+              <a:rPr lang="en-US" dirty="0"/>
+              <a:t>DevOps</a:t>
             </a:r>
           </a:p>
           <a:p>
@@ -29083,7 +29301,11 @@
           <a:p>
             <a:r>
               <a:rPr lang="en-US" dirty="0"/>
-              <a:t>Key tagging with labels</a:t>
+              <a:t>Key tagging with </a:t>
+            </a:r>
+            <a:r>
+              <a:rPr lang="en-US" u="sng" dirty="0"/>
+              <a:t>labels</a:t>
             </a:r>
           </a:p>
           <a:p>
@@ -29595,17 +29817,14 @@
           <a:p>
             <a:r>
               <a:rPr lang="en-US" dirty="0"/>
-              <a:t>Limit of 10,000 characters per key-value pair</a:t>
+              <a:t>Support for import/exporting</a:t>
             </a:r>
           </a:p>
           <a:p>
             <a:r>
               <a:rPr lang="en-US" dirty="0"/>
-              <a:t>Support for import/exporting</a:t>
-            </a:r>
-          </a:p>
-          <a:p>
-            <a:endParaRPr lang="en-US" dirty="0"/>
+              <a:t>There is a limit of 10KB for a single key-value item</a:t>
+            </a:r>
           </a:p>
         </p:txBody>
       </p:sp>
